--- a/docs/Crickit_FeatherWing_pinout.pptx
+++ b/docs/Crickit_FeatherWing_pinout.pptx
@@ -6,7 +6,7 @@
   </p:sldMasterIdLst>
   <p:sldIdLst>
     <p:sldId id="257" r:id="rId2"/>
-    <p:sldId id="256" r:id="rId3"/>
+    <p:sldId id="259" r:id="rId3"/>
   </p:sldIdLst>
   <p:sldSz cx="12192000" cy="6858000"/>
   <p:notesSz cx="6858000" cy="9144000"/>
@@ -260,7 +260,7 @@
           <a:p>
             <a:fld id="{75D7E1E3-7C6F-4BCE-A8D9-6C06AF89D09C}" type="datetimeFigureOut">
               <a:rPr lang="en-US" smtClean="0"/>
-              <a:t>12/1/2019</a:t>
+              <a:t>12/12/2019</a:t>
             </a:fld>
             <a:endParaRPr lang="en-US"/>
           </a:p>
@@ -458,7 +458,7 @@
           <a:p>
             <a:fld id="{75D7E1E3-7C6F-4BCE-A8D9-6C06AF89D09C}" type="datetimeFigureOut">
               <a:rPr lang="en-US" smtClean="0"/>
-              <a:t>12/1/2019</a:t>
+              <a:t>12/12/2019</a:t>
             </a:fld>
             <a:endParaRPr lang="en-US"/>
           </a:p>
@@ -666,7 +666,7 @@
           <a:p>
             <a:fld id="{75D7E1E3-7C6F-4BCE-A8D9-6C06AF89D09C}" type="datetimeFigureOut">
               <a:rPr lang="en-US" smtClean="0"/>
-              <a:t>12/1/2019</a:t>
+              <a:t>12/12/2019</a:t>
             </a:fld>
             <a:endParaRPr lang="en-US"/>
           </a:p>
@@ -864,7 +864,7 @@
           <a:p>
             <a:fld id="{75D7E1E3-7C6F-4BCE-A8D9-6C06AF89D09C}" type="datetimeFigureOut">
               <a:rPr lang="en-US" smtClean="0"/>
-              <a:t>12/1/2019</a:t>
+              <a:t>12/12/2019</a:t>
             </a:fld>
             <a:endParaRPr lang="en-US"/>
           </a:p>
@@ -1139,7 +1139,7 @@
           <a:p>
             <a:fld id="{75D7E1E3-7C6F-4BCE-A8D9-6C06AF89D09C}" type="datetimeFigureOut">
               <a:rPr lang="en-US" smtClean="0"/>
-              <a:t>12/1/2019</a:t>
+              <a:t>12/12/2019</a:t>
             </a:fld>
             <a:endParaRPr lang="en-US"/>
           </a:p>
@@ -1404,7 +1404,7 @@
           <a:p>
             <a:fld id="{75D7E1E3-7C6F-4BCE-A8D9-6C06AF89D09C}" type="datetimeFigureOut">
               <a:rPr lang="en-US" smtClean="0"/>
-              <a:t>12/1/2019</a:t>
+              <a:t>12/12/2019</a:t>
             </a:fld>
             <a:endParaRPr lang="en-US"/>
           </a:p>
@@ -1816,7 +1816,7 @@
           <a:p>
             <a:fld id="{75D7E1E3-7C6F-4BCE-A8D9-6C06AF89D09C}" type="datetimeFigureOut">
               <a:rPr lang="en-US" smtClean="0"/>
-              <a:t>12/1/2019</a:t>
+              <a:t>12/12/2019</a:t>
             </a:fld>
             <a:endParaRPr lang="en-US"/>
           </a:p>
@@ -1957,7 +1957,7 @@
           <a:p>
             <a:fld id="{75D7E1E3-7C6F-4BCE-A8D9-6C06AF89D09C}" type="datetimeFigureOut">
               <a:rPr lang="en-US" smtClean="0"/>
-              <a:t>12/1/2019</a:t>
+              <a:t>12/12/2019</a:t>
             </a:fld>
             <a:endParaRPr lang="en-US"/>
           </a:p>
@@ -2070,7 +2070,7 @@
           <a:p>
             <a:fld id="{75D7E1E3-7C6F-4BCE-A8D9-6C06AF89D09C}" type="datetimeFigureOut">
               <a:rPr lang="en-US" smtClean="0"/>
-              <a:t>12/1/2019</a:t>
+              <a:t>12/12/2019</a:t>
             </a:fld>
             <a:endParaRPr lang="en-US"/>
           </a:p>
@@ -2381,7 +2381,7 @@
           <a:p>
             <a:fld id="{75D7E1E3-7C6F-4BCE-A8D9-6C06AF89D09C}" type="datetimeFigureOut">
               <a:rPr lang="en-US" smtClean="0"/>
-              <a:t>12/1/2019</a:t>
+              <a:t>12/12/2019</a:t>
             </a:fld>
             <a:endParaRPr lang="en-US"/>
           </a:p>
@@ -2669,7 +2669,7 @@
           <a:p>
             <a:fld id="{75D7E1E3-7C6F-4BCE-A8D9-6C06AF89D09C}" type="datetimeFigureOut">
               <a:rPr lang="en-US" smtClean="0"/>
-              <a:t>12/1/2019</a:t>
+              <a:t>12/12/2019</a:t>
             </a:fld>
             <a:endParaRPr lang="en-US"/>
           </a:p>
@@ -2910,7 +2910,7 @@
           <a:p>
             <a:fld id="{75D7E1E3-7C6F-4BCE-A8D9-6C06AF89D09C}" type="datetimeFigureOut">
               <a:rPr lang="en-US" smtClean="0"/>
-              <a:t>12/1/2019</a:t>
+              <a:t>12/12/2019</a:t>
             </a:fld>
             <a:endParaRPr lang="en-US"/>
           </a:p>
@@ -6356,9 +6356,9 @@
         <p:grpSpPr>
           <a:xfrm>
             <a:off x="2282246" y="1044582"/>
-            <a:ext cx="9564935" cy="4328604"/>
+            <a:ext cx="9797202" cy="4235435"/>
             <a:chOff x="2282246" y="1044582"/>
-            <a:chExt cx="9564935" cy="4328604"/>
+            <a:chExt cx="9797202" cy="4235435"/>
           </a:xfrm>
         </p:grpSpPr>
         <p:grpSp>
@@ -6376,9 +6376,9 @@
           <p:grpSpPr>
             <a:xfrm>
               <a:off x="2282246" y="1044582"/>
-              <a:ext cx="9564935" cy="4328604"/>
+              <a:ext cx="9797202" cy="4235435"/>
               <a:chOff x="2062095" y="1047882"/>
-              <a:chExt cx="9564935" cy="4328604"/>
+              <a:chExt cx="9797202" cy="4235435"/>
             </a:xfrm>
           </p:grpSpPr>
           <p:grpSp>
@@ -6396,9 +6396,9 @@
             <p:grpSpPr>
               <a:xfrm>
                 <a:off x="2062095" y="1099703"/>
-                <a:ext cx="8199087" cy="4276783"/>
+                <a:ext cx="8199087" cy="3830189"/>
                 <a:chOff x="1713739" y="1546297"/>
-                <a:chExt cx="8199087" cy="4276783"/>
+                <a:chExt cx="8199087" cy="3830189"/>
               </a:xfrm>
             </p:grpSpPr>
             <p:pic>
@@ -6451,8 +6451,8 @@
               </p:nvSpPr>
               <p:spPr>
                 <a:xfrm>
-                  <a:off x="6896100" y="4781341"/>
-                  <a:ext cx="971321" cy="1041739"/>
+                  <a:off x="6896101" y="4833110"/>
+                  <a:ext cx="776650" cy="266461"/>
                 </a:xfrm>
                 <a:prstGeom prst="rect">
                   <a:avLst/>
@@ -16602,10 +16602,10 @@
             </p:nvGrpSpPr>
             <p:grpSpPr>
               <a:xfrm>
-                <a:off x="10349444" y="3386407"/>
-                <a:ext cx="1277586" cy="553005"/>
-                <a:chOff x="9311687" y="1278156"/>
-                <a:chExt cx="1277586" cy="553005"/>
+                <a:off x="10224258" y="3374887"/>
+                <a:ext cx="1635039" cy="553005"/>
+                <a:chOff x="9186501" y="1266636"/>
+                <a:chExt cx="1635039" cy="553005"/>
               </a:xfrm>
             </p:grpSpPr>
             <p:pic>
@@ -16630,7 +16630,7 @@
               </p:blipFill>
               <p:spPr>
                 <a:xfrm>
-                  <a:off x="9311687" y="1278156"/>
+                  <a:off x="9186501" y="1266636"/>
                   <a:ext cx="388280" cy="553005"/>
                 </a:xfrm>
                 <a:prstGeom prst="rect">
@@ -16652,8 +16652,8 @@
               </p:nvSpPr>
               <p:spPr>
                 <a:xfrm>
-                  <a:off x="9639974" y="1403468"/>
-                  <a:ext cx="949299" cy="246221"/>
+                  <a:off x="9449048" y="1309559"/>
+                  <a:ext cx="1372492" cy="400110"/>
                 </a:xfrm>
                 <a:prstGeom prst="rect">
                   <a:avLst/>
@@ -16669,6 +16669,16 @@
                   <a:r>
                     <a:rPr lang="en-US" sz="1000" dirty="0"/>
                     <a:t>Feather A0 pin</a:t>
+                  </a:r>
+                </a:p>
+                <a:p>
+                  <a:r>
+                    <a:rPr lang="en-US" sz="1000" i="1" dirty="0"/>
+                    <a:t>Audio</a:t>
+                  </a:r>
+                  <a:r>
+                    <a:rPr lang="en-US" sz="1000" dirty="0"/>
+                    <a:t> jumper required</a:t>
                   </a:r>
                 </a:p>
               </p:txBody>
@@ -16946,10 +16956,10 @@
             </p:nvGrpSpPr>
             <p:grpSpPr>
               <a:xfrm>
-                <a:off x="6643077" y="4414753"/>
-                <a:ext cx="1132757" cy="553998"/>
-                <a:chOff x="7901357" y="5920297"/>
-                <a:chExt cx="1132757" cy="553998"/>
+                <a:off x="6565057" y="4504370"/>
+                <a:ext cx="817853" cy="778947"/>
+                <a:chOff x="7823337" y="6009914"/>
+                <a:chExt cx="817853" cy="778947"/>
               </a:xfrm>
             </p:grpSpPr>
             <p:pic>
@@ -16996,7 +17006,7 @@
               </p:nvSpPr>
               <p:spPr>
                 <a:xfrm>
-                  <a:off x="8216261" y="5920297"/>
+                  <a:off x="7823337" y="6234863"/>
                   <a:ext cx="817853" cy="553998"/>
                 </a:xfrm>
                 <a:prstGeom prst="rect">
@@ -18705,6 +18715,61 @@
           </p:cxnSp>
         </p:grpSp>
       </p:grpSp>
+      <p:sp>
+        <p:nvSpPr>
+          <p:cNvPr id="5" name="Oval 4">
+            <a:extLst>
+              <a:ext uri="{FF2B5EF4-FFF2-40B4-BE49-F238E27FC236}">
+                <a16:creationId xmlns:a16="http://schemas.microsoft.com/office/drawing/2014/main" id="{E3A8E7CA-6155-46FF-B76F-9D4C86DC514E}"/>
+              </a:ext>
+            </a:extLst>
+          </p:cNvPr>
+          <p:cNvSpPr/>
+          <p:nvPr/>
+        </p:nvSpPr>
+        <p:spPr>
+          <a:xfrm>
+            <a:off x="7132785" y="3037261"/>
+            <a:ext cx="341721" cy="325923"/>
+          </a:xfrm>
+          <a:prstGeom prst="ellipse">
+            <a:avLst/>
+          </a:prstGeom>
+          <a:noFill/>
+          <a:effectLst>
+            <a:glow rad="63500">
+              <a:schemeClr val="accent5">
+                <a:satMod val="175000"/>
+                <a:alpha val="40000"/>
+              </a:schemeClr>
+            </a:glow>
+          </a:effectLst>
+        </p:spPr>
+        <p:style>
+          <a:lnRef idx="2">
+            <a:schemeClr val="accent1">
+              <a:shade val="50000"/>
+            </a:schemeClr>
+          </a:lnRef>
+          <a:fillRef idx="1">
+            <a:schemeClr val="accent1"/>
+          </a:fillRef>
+          <a:effectRef idx="0">
+            <a:schemeClr val="accent1"/>
+          </a:effectRef>
+          <a:fontRef idx="minor">
+            <a:schemeClr val="lt1"/>
+          </a:fontRef>
+        </p:style>
+        <p:txBody>
+          <a:bodyPr rtlCol="0" anchor="ctr"/>
+          <a:lstStyle/>
+          <a:p>
+            <a:pPr algn="ctr"/>
+            <a:endParaRPr lang="en-US"/>
+          </a:p>
+        </p:txBody>
+      </p:sp>
     </p:spTree>
     <p:extLst>
       <p:ext uri="{BB962C8B-B14F-4D97-AF65-F5344CB8AC3E}">
@@ -21713,47 +21778,6 @@
           </a:prstGeom>
         </p:spPr>
       </p:pic>
-      <p:pic>
-        <p:nvPicPr>
-          <p:cNvPr id="505" name="Picture 504">
-            <a:extLst>
-              <a:ext uri="{FF2B5EF4-FFF2-40B4-BE49-F238E27FC236}">
-                <a16:creationId xmlns:a16="http://schemas.microsoft.com/office/drawing/2014/main" id="{D7CF957D-8E25-4F15-B099-10A12F6DE4AE}"/>
-              </a:ext>
-            </a:extLst>
-          </p:cNvPr>
-          <p:cNvPicPr>
-            <a:picLocks noChangeAspect="1"/>
-          </p:cNvPicPr>
-          <p:nvPr/>
-        </p:nvPicPr>
-        <p:blipFill>
-          <a:blip r:embed="rId6">
-            <a:clrChange>
-              <a:clrFrom>
-                <a:srgbClr val="FFFFFF"/>
-              </a:clrFrom>
-              <a:clrTo>
-                <a:srgbClr val="FFFFFF">
-                  <a:alpha val="0"/>
-                </a:srgbClr>
-              </a:clrTo>
-            </a:clrChange>
-          </a:blip>
-          <a:stretch>
-            <a:fillRect/>
-          </a:stretch>
-        </p:blipFill>
-        <p:spPr>
-          <a:xfrm>
-            <a:off x="5875679" y="5620547"/>
-            <a:ext cx="1886213" cy="857370"/>
-          </a:xfrm>
-          <a:prstGeom prst="rect">
-            <a:avLst/>
-          </a:prstGeom>
-        </p:spPr>
-      </p:pic>
       <p:sp>
         <p:nvSpPr>
           <p:cNvPr id="507" name="TextBox 506">
@@ -21805,9 +21829,9 @@
         <p:grpSpPr>
           <a:xfrm>
             <a:off x="2282246" y="1044582"/>
-            <a:ext cx="9564935" cy="4328604"/>
+            <a:ext cx="9797202" cy="4235435"/>
             <a:chOff x="2282246" y="1044582"/>
-            <a:chExt cx="9564935" cy="4328604"/>
+            <a:chExt cx="9797202" cy="4235435"/>
           </a:xfrm>
         </p:grpSpPr>
         <p:grpSp>
@@ -21825,9 +21849,9 @@
           <p:grpSpPr>
             <a:xfrm>
               <a:off x="2282246" y="1044582"/>
-              <a:ext cx="9564935" cy="4328604"/>
+              <a:ext cx="9797202" cy="4235435"/>
               <a:chOff x="2062095" y="1047882"/>
-              <a:chExt cx="9564935" cy="4328604"/>
+              <a:chExt cx="9797202" cy="4235435"/>
             </a:xfrm>
           </p:grpSpPr>
           <p:grpSp>
@@ -21845,9 +21869,9 @@
             <p:grpSpPr>
               <a:xfrm>
                 <a:off x="2062095" y="1099703"/>
-                <a:ext cx="8199087" cy="4276783"/>
+                <a:ext cx="8199087" cy="3830189"/>
                 <a:chOff x="1713739" y="1546297"/>
-                <a:chExt cx="8199087" cy="4276783"/>
+                <a:chExt cx="8199087" cy="3830189"/>
               </a:xfrm>
             </p:grpSpPr>
             <p:pic>
@@ -21865,7 +21889,7 @@
                 <p:nvPr/>
               </p:nvPicPr>
               <p:blipFill>
-                <a:blip r:embed="rId7">
+                <a:blip r:embed="rId6">
                   <a:extLst>
                     <a:ext uri="{28A0092B-C50C-407E-A947-70E740481C1C}">
                       <a14:useLocalDpi xmlns:a14="http://schemas.microsoft.com/office/drawing/2010/main" val="0"/>
@@ -21900,8 +21924,8 @@
               </p:nvSpPr>
               <p:spPr>
                 <a:xfrm>
-                  <a:off x="6896100" y="4781341"/>
-                  <a:ext cx="971321" cy="1041739"/>
+                  <a:off x="6896101" y="4833110"/>
+                  <a:ext cx="776650" cy="266461"/>
                 </a:xfrm>
                 <a:prstGeom prst="rect">
                   <a:avLst/>
@@ -32051,10 +32075,10 @@
             </p:nvGrpSpPr>
             <p:grpSpPr>
               <a:xfrm>
-                <a:off x="10349444" y="3386407"/>
-                <a:ext cx="1277586" cy="553005"/>
-                <a:chOff x="9311687" y="1278156"/>
-                <a:chExt cx="1277586" cy="553005"/>
+                <a:off x="10224258" y="3374887"/>
+                <a:ext cx="1635039" cy="553005"/>
+                <a:chOff x="9186501" y="1266636"/>
+                <a:chExt cx="1635039" cy="553005"/>
               </a:xfrm>
             </p:grpSpPr>
             <p:pic>
@@ -32079,7 +32103,7 @@
               </p:blipFill>
               <p:spPr>
                 <a:xfrm>
-                  <a:off x="9311687" y="1278156"/>
+                  <a:off x="9186501" y="1266636"/>
                   <a:ext cx="388280" cy="553005"/>
                 </a:xfrm>
                 <a:prstGeom prst="rect">
@@ -32101,8 +32125,8 @@
               </p:nvSpPr>
               <p:spPr>
                 <a:xfrm>
-                  <a:off x="9639974" y="1403468"/>
-                  <a:ext cx="949299" cy="246221"/>
+                  <a:off x="9449048" y="1309559"/>
+                  <a:ext cx="1372492" cy="400110"/>
                 </a:xfrm>
                 <a:prstGeom prst="rect">
                   <a:avLst/>
@@ -32118,6 +32142,16 @@
                   <a:r>
                     <a:rPr lang="en-US" sz="1000" dirty="0"/>
                     <a:t>Feather A0 pin</a:t>
+                  </a:r>
+                </a:p>
+                <a:p>
+                  <a:r>
+                    <a:rPr lang="en-US" sz="1000" i="1" dirty="0"/>
+                    <a:t>Audio</a:t>
+                  </a:r>
+                  <a:r>
+                    <a:rPr lang="en-US" sz="1000" dirty="0"/>
+                    <a:t> jumper required</a:t>
                   </a:r>
                 </a:p>
               </p:txBody>
@@ -32395,10 +32429,10 @@
             </p:nvGrpSpPr>
             <p:grpSpPr>
               <a:xfrm>
-                <a:off x="6643077" y="4414753"/>
-                <a:ext cx="1132757" cy="553998"/>
-                <a:chOff x="7901357" y="5920297"/>
-                <a:chExt cx="1132757" cy="553998"/>
+                <a:off x="6565057" y="4504370"/>
+                <a:ext cx="817853" cy="778947"/>
+                <a:chOff x="7823337" y="6009914"/>
+                <a:chExt cx="817853" cy="778947"/>
               </a:xfrm>
             </p:grpSpPr>
             <p:pic>
@@ -32445,7 +32479,7 @@
               </p:nvSpPr>
               <p:spPr>
                 <a:xfrm>
-                  <a:off x="8216261" y="5920297"/>
+                  <a:off x="7823337" y="6234863"/>
                   <a:ext cx="817853" cy="553998"/>
                 </a:xfrm>
                 <a:prstGeom prst="rect">
@@ -34154,10 +34188,106 @@
           </p:cxnSp>
         </p:grpSp>
       </p:grpSp>
+      <p:sp>
+        <p:nvSpPr>
+          <p:cNvPr id="5" name="Oval 4">
+            <a:extLst>
+              <a:ext uri="{FF2B5EF4-FFF2-40B4-BE49-F238E27FC236}">
+                <a16:creationId xmlns:a16="http://schemas.microsoft.com/office/drawing/2014/main" id="{E3A8E7CA-6155-46FF-B76F-9D4C86DC514E}"/>
+              </a:ext>
+            </a:extLst>
+          </p:cNvPr>
+          <p:cNvSpPr/>
+          <p:nvPr/>
+        </p:nvSpPr>
+        <p:spPr>
+          <a:xfrm>
+            <a:off x="7132785" y="3037261"/>
+            <a:ext cx="341721" cy="325923"/>
+          </a:xfrm>
+          <a:prstGeom prst="ellipse">
+            <a:avLst/>
+          </a:prstGeom>
+          <a:noFill/>
+          <a:effectLst>
+            <a:glow rad="63500">
+              <a:schemeClr val="accent5">
+                <a:satMod val="175000"/>
+                <a:alpha val="40000"/>
+              </a:schemeClr>
+            </a:glow>
+          </a:effectLst>
+        </p:spPr>
+        <p:style>
+          <a:lnRef idx="2">
+            <a:schemeClr val="accent1">
+              <a:shade val="50000"/>
+            </a:schemeClr>
+          </a:lnRef>
+          <a:fillRef idx="1">
+            <a:schemeClr val="accent1"/>
+          </a:fillRef>
+          <a:effectRef idx="0">
+            <a:schemeClr val="accent1"/>
+          </a:effectRef>
+          <a:fontRef idx="minor">
+            <a:schemeClr val="lt1"/>
+          </a:fontRef>
+        </p:style>
+        <p:txBody>
+          <a:bodyPr rtlCol="0" anchor="ctr"/>
+          <a:lstStyle/>
+          <a:p>
+            <a:pPr algn="ctr"/>
+            <a:endParaRPr lang="en-US"/>
+          </a:p>
+        </p:txBody>
+      </p:sp>
+      <p:pic>
+        <p:nvPicPr>
+          <p:cNvPr id="387" name="Picture 386">
+            <a:extLst>
+              <a:ext uri="{FF2B5EF4-FFF2-40B4-BE49-F238E27FC236}">
+                <a16:creationId xmlns:a16="http://schemas.microsoft.com/office/drawing/2014/main" id="{F24703CF-6F8C-4434-989D-79259394FD7C}"/>
+              </a:ext>
+            </a:extLst>
+          </p:cNvPr>
+          <p:cNvPicPr>
+            <a:picLocks noChangeAspect="1"/>
+          </p:cNvPicPr>
+          <p:nvPr/>
+        </p:nvPicPr>
+        <p:blipFill>
+          <a:blip r:embed="rId7">
+            <a:clrChange>
+              <a:clrFrom>
+                <a:srgbClr val="FFFFFF"/>
+              </a:clrFrom>
+              <a:clrTo>
+                <a:srgbClr val="FFFFFF">
+                  <a:alpha val="0"/>
+                </a:srgbClr>
+              </a:clrTo>
+            </a:clrChange>
+          </a:blip>
+          <a:stretch>
+            <a:fillRect/>
+          </a:stretch>
+        </p:blipFill>
+        <p:spPr>
+          <a:xfrm>
+            <a:off x="5875679" y="5620547"/>
+            <a:ext cx="1886213" cy="857370"/>
+          </a:xfrm>
+          <a:prstGeom prst="rect">
+            <a:avLst/>
+          </a:prstGeom>
+        </p:spPr>
+      </p:pic>
     </p:spTree>
     <p:extLst>
       <p:ext uri="{BB962C8B-B14F-4D97-AF65-F5344CB8AC3E}">
-        <p14:creationId xmlns:p14="http://schemas.microsoft.com/office/powerpoint/2010/main" val="1098750887"/>
+        <p14:creationId xmlns:p14="http://schemas.microsoft.com/office/powerpoint/2010/main" val="1036002350"/>
       </p:ext>
     </p:extLst>
   </p:cSld>
